--- a/dpxDocs/dpxUserManual/Figures/Fig001.pptx
+++ b/dpxDocs/dpxUserManual/Figures/Fig001.pptx
@@ -136,7 +136,7 @@
         </p:nvSpPr>
         <p:spPr>
           <a:xfrm>
-            <a:off x="685800" y="2130425"/>
+            <a:off x="685800" y="2130426"/>
             <a:ext cx="7772400" cy="1470025"/>
           </a:xfrm>
         </p:spPr>
@@ -288,7 +288,7 @@
           <a:p>
             <a:fld id="{45CEFF85-F641-4E8B-A294-1625081EE421}" type="datetimeFigureOut">
               <a:rPr lang="en-US" smtClean="0"/>
-              <a:t>10/19/2015</a:t>
+              <a:t>10/23/2015</a:t>
             </a:fld>
             <a:endParaRPr lang="en-US"/>
           </a:p>
@@ -458,7 +458,7 @@
           <a:p>
             <a:fld id="{45CEFF85-F641-4E8B-A294-1625081EE421}" type="datetimeFigureOut">
               <a:rPr lang="en-US" smtClean="0"/>
-              <a:t>10/19/2015</a:t>
+              <a:t>10/23/2015</a:t>
             </a:fld>
             <a:endParaRPr lang="en-US"/>
           </a:p>
@@ -548,7 +548,7 @@
         </p:nvSpPr>
         <p:spPr>
           <a:xfrm>
-            <a:off x="6629400" y="274638"/>
+            <a:off x="6629400" y="274639"/>
             <a:ext cx="2057400" cy="5851525"/>
           </a:xfrm>
         </p:spPr>
@@ -576,7 +576,7 @@
         </p:nvSpPr>
         <p:spPr>
           <a:xfrm>
-            <a:off x="457200" y="274638"/>
+            <a:off x="457200" y="274639"/>
             <a:ext cx="6019800" cy="5851525"/>
           </a:xfrm>
         </p:spPr>
@@ -638,7 +638,7 @@
           <a:p>
             <a:fld id="{45CEFF85-F641-4E8B-A294-1625081EE421}" type="datetimeFigureOut">
               <a:rPr lang="en-US" smtClean="0"/>
-              <a:t>10/19/2015</a:t>
+              <a:t>10/23/2015</a:t>
             </a:fld>
             <a:endParaRPr lang="en-US"/>
           </a:p>
@@ -808,7 +808,7 @@
           <a:p>
             <a:fld id="{45CEFF85-F641-4E8B-A294-1625081EE421}" type="datetimeFigureOut">
               <a:rPr lang="en-US" smtClean="0"/>
-              <a:t>10/19/2015</a:t>
+              <a:t>10/23/2015</a:t>
             </a:fld>
             <a:endParaRPr lang="en-US"/>
           </a:p>
@@ -898,7 +898,7 @@
         </p:nvSpPr>
         <p:spPr>
           <a:xfrm>
-            <a:off x="722313" y="4406900"/>
+            <a:off x="722313" y="4406901"/>
             <a:ext cx="7772400" cy="1362075"/>
           </a:xfrm>
         </p:spPr>
@@ -1054,7 +1054,7 @@
           <a:p>
             <a:fld id="{45CEFF85-F641-4E8B-A294-1625081EE421}" type="datetimeFigureOut">
               <a:rPr lang="en-US" smtClean="0"/>
-              <a:t>10/19/2015</a:t>
+              <a:t>10/23/2015</a:t>
             </a:fld>
             <a:endParaRPr lang="en-US"/>
           </a:p>
@@ -1167,7 +1167,7 @@
         </p:nvSpPr>
         <p:spPr>
           <a:xfrm>
-            <a:off x="457200" y="1600200"/>
+            <a:off x="457200" y="1600201"/>
             <a:ext cx="4038600" cy="4525963"/>
           </a:xfrm>
         </p:spPr>
@@ -1252,7 +1252,7 @@
         </p:nvSpPr>
         <p:spPr>
           <a:xfrm>
-            <a:off x="4648200" y="1600200"/>
+            <a:off x="4648200" y="1600201"/>
             <a:ext cx="4038600" cy="4525963"/>
           </a:xfrm>
         </p:spPr>
@@ -1342,7 +1342,7 @@
           <a:p>
             <a:fld id="{45CEFF85-F641-4E8B-A294-1625081EE421}" type="datetimeFigureOut">
               <a:rPr lang="en-US" smtClean="0"/>
-              <a:t>10/19/2015</a:t>
+              <a:t>10/23/2015</a:t>
             </a:fld>
             <a:endParaRPr lang="en-US"/>
           </a:p>
@@ -1460,7 +1460,7 @@
         <p:spPr>
           <a:xfrm>
             <a:off x="457200" y="1535113"/>
-            <a:ext cx="4040188" cy="639762"/>
+            <a:ext cx="4040188" cy="639763"/>
           </a:xfrm>
         </p:spPr>
         <p:txBody>
@@ -1609,8 +1609,8 @@
         </p:nvSpPr>
         <p:spPr>
           <a:xfrm>
-            <a:off x="4645025" y="1535113"/>
-            <a:ext cx="4041775" cy="639762"/>
+            <a:off x="4645027" y="1535113"/>
+            <a:ext cx="4041775" cy="639763"/>
           </a:xfrm>
         </p:spPr>
         <p:txBody>
@@ -1674,7 +1674,7 @@
         </p:nvSpPr>
         <p:spPr>
           <a:xfrm>
-            <a:off x="4645025" y="2174875"/>
+            <a:off x="4645027" y="2174875"/>
             <a:ext cx="4041775" cy="3951288"/>
           </a:xfrm>
         </p:spPr>
@@ -1764,7 +1764,7 @@
           <a:p>
             <a:fld id="{45CEFF85-F641-4E8B-A294-1625081EE421}" type="datetimeFigureOut">
               <a:rPr lang="en-US" smtClean="0"/>
-              <a:t>10/19/2015</a:t>
+              <a:t>10/23/2015</a:t>
             </a:fld>
             <a:endParaRPr lang="en-US"/>
           </a:p>
@@ -1882,7 +1882,7 @@
           <a:p>
             <a:fld id="{45CEFF85-F641-4E8B-A294-1625081EE421}" type="datetimeFigureOut">
               <a:rPr lang="en-US" smtClean="0"/>
-              <a:t>10/19/2015</a:t>
+              <a:t>10/23/2015</a:t>
             </a:fld>
             <a:endParaRPr lang="en-US"/>
           </a:p>
@@ -1977,7 +1977,7 @@
           <a:p>
             <a:fld id="{45CEFF85-F641-4E8B-A294-1625081EE421}" type="datetimeFigureOut">
               <a:rPr lang="en-US" smtClean="0"/>
-              <a:t>10/19/2015</a:t>
+              <a:t>10/23/2015</a:t>
             </a:fld>
             <a:endParaRPr lang="en-US"/>
           </a:p>
@@ -2067,8 +2067,8 @@
         </p:nvSpPr>
         <p:spPr>
           <a:xfrm>
-            <a:off x="457200" y="273050"/>
-            <a:ext cx="3008313" cy="1162050"/>
+            <a:off x="457202" y="273049"/>
+            <a:ext cx="3008313" cy="1162051"/>
           </a:xfrm>
         </p:spPr>
         <p:txBody>
@@ -2099,7 +2099,7 @@
         </p:nvSpPr>
         <p:spPr>
           <a:xfrm>
-            <a:off x="3575050" y="273050"/>
+            <a:off x="3575050" y="273052"/>
             <a:ext cx="5111750" cy="5853113"/>
           </a:xfrm>
         </p:spPr>
@@ -2184,7 +2184,7 @@
         </p:nvSpPr>
         <p:spPr>
           <a:xfrm>
-            <a:off x="457200" y="1435100"/>
+            <a:off x="457202" y="1435102"/>
             <a:ext cx="3008313" cy="4691063"/>
           </a:xfrm>
         </p:spPr>
@@ -2254,7 +2254,7 @@
           <a:p>
             <a:fld id="{45CEFF85-F641-4E8B-A294-1625081EE421}" type="datetimeFigureOut">
               <a:rPr lang="en-US" smtClean="0"/>
-              <a:t>10/19/2015</a:t>
+              <a:t>10/23/2015</a:t>
             </a:fld>
             <a:endParaRPr lang="en-US"/>
           </a:p>
@@ -2345,7 +2345,7 @@
         <p:spPr>
           <a:xfrm>
             <a:off x="1792288" y="4800600"/>
-            <a:ext cx="5486400" cy="566738"/>
+            <a:ext cx="5486400" cy="566739"/>
           </a:xfrm>
         </p:spPr>
         <p:txBody>
@@ -2438,7 +2438,7 @@
         <p:spPr>
           <a:xfrm>
             <a:off x="1792288" y="5367338"/>
-            <a:ext cx="5486400" cy="804862"/>
+            <a:ext cx="5486400" cy="804863"/>
           </a:xfrm>
         </p:spPr>
         <p:txBody>
@@ -2507,7 +2507,7 @@
           <a:p>
             <a:fld id="{45CEFF85-F641-4E8B-A294-1625081EE421}" type="datetimeFigureOut">
               <a:rPr lang="en-US" smtClean="0"/>
-              <a:t>10/19/2015</a:t>
+              <a:t>10/23/2015</a:t>
             </a:fld>
             <a:endParaRPr lang="en-US"/>
           </a:p>
@@ -2602,7 +2602,7 @@
         </p:nvSpPr>
         <p:spPr>
           <a:xfrm>
-            <a:off x="457200" y="274638"/>
+            <a:off x="457200" y="274639"/>
             <a:ext cx="8229600" cy="1143000"/>
           </a:xfrm>
           <a:prstGeom prst="rect">
@@ -2635,7 +2635,7 @@
         </p:nvSpPr>
         <p:spPr>
           <a:xfrm>
-            <a:off x="457200" y="1600200"/>
+            <a:off x="457200" y="1600201"/>
             <a:ext cx="8229600" cy="4525963"/>
           </a:xfrm>
           <a:prstGeom prst="rect">
@@ -2697,7 +2697,7 @@
         </p:nvSpPr>
         <p:spPr>
           <a:xfrm>
-            <a:off x="457200" y="6356350"/>
+            <a:off x="457200" y="6356351"/>
             <a:ext cx="2133600" cy="365125"/>
           </a:xfrm>
           <a:prstGeom prst="rect">
@@ -2720,7 +2720,7 @@
           <a:p>
             <a:fld id="{45CEFF85-F641-4E8B-A294-1625081EE421}" type="datetimeFigureOut">
               <a:rPr lang="en-US" smtClean="0"/>
-              <a:t>10/19/2015</a:t>
+              <a:t>10/23/2015</a:t>
             </a:fld>
             <a:endParaRPr lang="en-US"/>
           </a:p>
@@ -2738,7 +2738,7 @@
         </p:nvSpPr>
         <p:spPr>
           <a:xfrm>
-            <a:off x="3124200" y="6356350"/>
+            <a:off x="3124200" y="6356351"/>
             <a:ext cx="2895600" cy="365125"/>
           </a:xfrm>
           <a:prstGeom prst="rect">
@@ -2775,7 +2775,7 @@
         </p:nvSpPr>
         <p:spPr>
           <a:xfrm>
-            <a:off x="6553200" y="6356350"/>
+            <a:off x="6553200" y="6356351"/>
             <a:ext cx="2133600" cy="365125"/>
           </a:xfrm>
           <a:prstGeom prst="rect">
@@ -3104,7 +3104,7 @@
         <p:spPr>
           <a:xfrm>
             <a:off x="304800" y="533400"/>
-            <a:ext cx="3276600" cy="2667000"/>
+            <a:ext cx="3304438" cy="2534653"/>
           </a:xfrm>
           <a:prstGeom prst="rect">
             <a:avLst/>
@@ -3125,14 +3125,14 @@
           </a:fontRef>
         </p:style>
         <p:txBody>
-          <a:bodyPr rtlCol="0" anchor="ctr"/>
-          <a:lstStyle/>
-          <a:p>
-            <a:r>
-              <a:rPr lang="en-US" b="1" dirty="0" err="1" smtClean="0"/>
+          <a:bodyPr rtlCol="0" anchor="t"/>
+          <a:lstStyle/>
+          <a:p>
+            <a:r>
+              <a:rPr lang="en-US" sz="1200" b="1" dirty="0" err="1" smtClean="0"/>
               <a:t>dpxCoreExperiment</a:t>
             </a:r>
-            <a:endParaRPr lang="en-US" b="1" dirty="0" smtClean="0"/>
+            <a:endParaRPr lang="en-US" sz="1200" b="1" dirty="0" smtClean="0"/>
           </a:p>
           <a:p>
             <a:pPr marL="285750" indent="-285750">
@@ -3140,7 +3140,7 @@
               <a:buChar char="•"/>
             </a:pPr>
             <a:r>
-              <a:rPr lang="en-US" dirty="0" smtClean="0"/>
+              <a:rPr lang="en-US" sz="1200" dirty="0" smtClean="0"/>
               <a:t>Property examples:</a:t>
             </a:r>
           </a:p>
@@ -3150,11 +3150,11 @@
               <a:buChar char="•"/>
             </a:pPr>
             <a:r>
-              <a:rPr lang="en-US" dirty="0" err="1" smtClean="0"/>
+              <a:rPr lang="en-US" sz="1200" dirty="0" err="1" smtClean="0"/>
               <a:t>nRepeats</a:t>
             </a:r>
             <a:r>
-              <a:rPr lang="en-US" dirty="0" smtClean="0"/>
+              <a:rPr lang="en-US" sz="1200" dirty="0" smtClean="0"/>
               <a:t>: 5</a:t>
             </a:r>
           </a:p>
@@ -3164,26 +3164,13 @@
               <a:buChar char="•"/>
             </a:pPr>
             <a:r>
-              <a:rPr lang="en-US" dirty="0" err="1" smtClean="0"/>
+              <a:rPr lang="en-US" sz="1200" dirty="0" err="1" smtClean="0"/>
               <a:t>expName</a:t>
             </a:r>
             <a:r>
-              <a:rPr lang="en-US" dirty="0" smtClean="0"/>
-              <a:t>: </a:t>
-            </a:r>
-            <a:r>
-              <a:rPr lang="en-US" dirty="0" smtClean="0"/>
-              <a:t>'</a:t>
-            </a:r>
-            <a:r>
-              <a:rPr lang="en-US" dirty="0" smtClean="0"/>
-              <a:t>example</a:t>
-            </a:r>
-            <a:r>
-              <a:rPr lang="en-US" dirty="0" smtClean="0"/>
-              <a:t>'</a:t>
-            </a:r>
-            <a:endParaRPr lang="en-US" dirty="0" smtClean="0"/>
+              <a:rPr lang="en-US" sz="1200" dirty="0" smtClean="0"/>
+              <a:t>: 'example'</a:t>
+            </a:r>
           </a:p>
           <a:p>
             <a:pPr marL="742950" lvl="1" indent="-285750">
@@ -3191,11 +3178,11 @@
               <a:buChar char="•"/>
             </a:pPr>
             <a:r>
-              <a:rPr lang="en-US" dirty="0" err="1" smtClean="0"/>
+              <a:rPr lang="en-US" sz="1200" dirty="0" err="1" smtClean="0"/>
               <a:t>scr</a:t>
             </a:r>
             <a:r>
-              <a:rPr lang="en-US" dirty="0" smtClean="0"/>
+              <a:rPr lang="en-US" sz="1200" dirty="0" smtClean="0"/>
               <a:t>:</a:t>
             </a:r>
           </a:p>
@@ -3205,12 +3192,12 @@
               <a:buChar char="•"/>
             </a:pPr>
             <a:r>
-              <a:rPr lang="en-US" dirty="0"/>
+              <a:rPr lang="en-US" sz="1200" dirty="0"/>
               <a:t>c</a:t>
             </a:r>
             <a:r>
-              <a:rPr lang="en-US" dirty="0" smtClean="0"/>
-              <a:t>onditions: {c1,c2, … }</a:t>
+              <a:rPr lang="en-US" sz="1200" dirty="0" smtClean="0"/>
+              <a:t>onditions: { c1, c2, … }</a:t>
             </a:r>
           </a:p>
           <a:p>
@@ -3219,7 +3206,7 @@
               <a:buChar char="•"/>
             </a:pPr>
             <a:r>
-              <a:rPr lang="en-US" dirty="0" smtClean="0"/>
+              <a:rPr lang="en-US" sz="1200" dirty="0" smtClean="0"/>
               <a:t>Method examples:</a:t>
             </a:r>
           </a:p>
@@ -3229,13 +3216,10 @@
               <a:buChar char="•"/>
             </a:pPr>
             <a:r>
-              <a:rPr lang="en-US" dirty="0" err="1" smtClean="0"/>
+              <a:rPr lang="en-US" sz="1200" dirty="0" err="1" smtClean="0"/>
               <a:t>addCondition</a:t>
             </a:r>
-            <a:r>
-              <a:rPr lang="en-US" dirty="0" smtClean="0"/>
-              <a:t>(  )</a:t>
-            </a:r>
+            <a:endParaRPr lang="en-US" sz="1200" dirty="0" smtClean="0"/>
           </a:p>
           <a:p>
             <a:pPr marL="742950" lvl="1" indent="-285750">
@@ -3243,13 +3227,149 @@
               <a:buChar char="•"/>
             </a:pPr>
             <a:r>
-              <a:rPr lang="en-US" dirty="0"/>
-              <a:t>r</a:t>
-            </a:r>
-            <a:r>
-              <a:rPr lang="en-US" dirty="0" smtClean="0"/>
-              <a:t>un()</a:t>
-            </a:r>
+              <a:rPr lang="en-US" sz="1200" dirty="0" smtClean="0"/>
+              <a:t>run</a:t>
+            </a:r>
+          </a:p>
+          <a:p>
+            <a:pPr marL="1200150" lvl="2" indent="-285750">
+              <a:buFont typeface="Arial" panose="020B0604020202020204" pitchFamily="34" charset="0"/>
+              <a:buChar char="•"/>
+            </a:pPr>
+            <a:endParaRPr lang="en-US" sz="1200" dirty="0" smtClean="0"/>
+          </a:p>
+        </p:txBody>
+      </p:sp>
+      <p:sp>
+        <p:nvSpPr>
+          <p:cNvPr id="6" name="Circular Arrow 5"/>
+          <p:cNvSpPr/>
+          <p:nvPr/>
+        </p:nvSpPr>
+        <p:spPr>
+          <a:xfrm rot="10800000">
+            <a:off x="1343688" y="2057401"/>
+            <a:ext cx="647700" cy="647700"/>
+          </a:xfrm>
+          <a:prstGeom prst="circularArrow">
+            <a:avLst>
+              <a:gd name="adj1" fmla="val 12500"/>
+              <a:gd name="adj2" fmla="val 1142319"/>
+              <a:gd name="adj3" fmla="val 20457681"/>
+              <a:gd name="adj4" fmla="val 890001"/>
+              <a:gd name="adj5" fmla="val 12500"/>
+            </a:avLst>
+          </a:prstGeom>
+          <a:ln/>
+        </p:spPr>
+        <p:style>
+          <a:lnRef idx="1">
+            <a:schemeClr val="accent6"/>
+          </a:lnRef>
+          <a:fillRef idx="3">
+            <a:schemeClr val="accent6"/>
+          </a:fillRef>
+          <a:effectRef idx="2">
+            <a:schemeClr val="accent6"/>
+          </a:effectRef>
+          <a:fontRef idx="minor">
+            <a:schemeClr val="lt1"/>
+          </a:fontRef>
+        </p:style>
+        <p:txBody>
+          <a:bodyPr rtlCol="0" anchor="ctr"/>
+          <a:lstStyle/>
+          <a:p>
+            <a:pPr algn="ctr"/>
+            <a:endParaRPr lang="en-US">
+              <a:solidFill>
+                <a:schemeClr val="tx1"/>
+              </a:solidFill>
+            </a:endParaRPr>
+          </a:p>
+        </p:txBody>
+      </p:sp>
+      <p:sp>
+        <p:nvSpPr>
+          <p:cNvPr id="8" name="TextBox 7"/>
+          <p:cNvSpPr txBox="1"/>
+          <p:nvPr/>
+        </p:nvSpPr>
+        <p:spPr>
+          <a:xfrm>
+            <a:off x="1447800" y="2150420"/>
+            <a:ext cx="1517916" cy="830997"/>
+          </a:xfrm>
+          <a:prstGeom prst="rect">
+            <a:avLst/>
+          </a:prstGeom>
+          <a:noFill/>
+          <a:ln>
+            <a:noFill/>
+          </a:ln>
+        </p:spPr>
+        <p:txBody>
+          <a:bodyPr wrap="none" rtlCol="0">
+            <a:spAutoFit/>
+          </a:bodyPr>
+          <a:lstStyle/>
+          <a:p>
+            <a:r>
+              <a:rPr lang="en-US" sz="1200" b="1" i="1" dirty="0" smtClean="0">
+                <a:solidFill>
+                  <a:schemeClr val="bg1"/>
+                </a:solidFill>
+              </a:rPr>
+              <a:t>Loop </a:t>
+            </a:r>
+            <a:r>
+              <a:rPr lang="en-US" sz="1200" b="1" i="1" dirty="0" err="1" smtClean="0">
+                <a:solidFill>
+                  <a:schemeClr val="bg1"/>
+                </a:solidFill>
+              </a:rPr>
+              <a:t>nRepeats</a:t>
+            </a:r>
+            <a:r>
+              <a:rPr lang="en-US" sz="1200" b="1" i="1" dirty="0" smtClean="0">
+                <a:solidFill>
+                  <a:schemeClr val="bg1"/>
+                </a:solidFill>
+              </a:rPr>
+              <a:t> times</a:t>
+            </a:r>
+          </a:p>
+          <a:p>
+            <a:r>
+              <a:rPr lang="en-US" sz="1200" b="1" i="1" dirty="0" smtClean="0">
+                <a:solidFill>
+                  <a:schemeClr val="bg1"/>
+                </a:solidFill>
+              </a:rPr>
+              <a:t>over all conditions</a:t>
+            </a:r>
+          </a:p>
+          <a:p>
+            <a:endParaRPr lang="en-US" sz="1200" dirty="0">
+              <a:solidFill>
+                <a:schemeClr val="bg1"/>
+              </a:solidFill>
+            </a:endParaRPr>
+          </a:p>
+          <a:p>
+            <a:r>
+              <a:rPr lang="en-US" sz="1200" b="1" i="1" dirty="0" smtClean="0">
+                <a:solidFill>
+                  <a:schemeClr val="bg1"/>
+                </a:solidFill>
+              </a:rPr>
+              <a:t>save</a:t>
+            </a:r>
+            <a:endParaRPr lang="en-US" sz="1200" b="1" i="1" dirty="0">
+              <a:solidFill>
+                <a:schemeClr val="bg1"/>
+              </a:solidFill>
+            </a:endParaRPr>
           </a:p>
         </p:txBody>
       </p:sp>
@@ -3261,8 +3381,8 @@
         </p:nvCxnSpPr>
         <p:spPr>
           <a:xfrm flipH="1">
-            <a:off x="1634067" y="1888066"/>
-            <a:ext cx="2438400" cy="0"/>
+            <a:off x="1447801" y="1340689"/>
+            <a:ext cx="3124199" cy="76200"/>
           </a:xfrm>
           <a:prstGeom prst="straightConnector1">
             <a:avLst/>
@@ -3273,13 +3393,13 @@
         </p:spPr>
         <p:style>
           <a:lnRef idx="3">
-            <a:schemeClr val="dk1"/>
+            <a:schemeClr val="accent6"/>
           </a:lnRef>
           <a:fillRef idx="0">
-            <a:schemeClr val="dk1"/>
+            <a:schemeClr val="accent6"/>
           </a:fillRef>
           <a:effectRef idx="2">
-            <a:schemeClr val="dk1"/>
+            <a:schemeClr val="accent6"/>
           </a:effectRef>
           <a:fontRef idx="minor">
             <a:schemeClr val="tx1"/>
@@ -3294,12 +3414,12 @@
         </p:nvCxnSpPr>
         <p:spPr>
           <a:xfrm rot="5400000" flipH="1" flipV="1">
-            <a:off x="2662767" y="2324100"/>
-            <a:ext cx="381000" cy="304800"/>
+            <a:off x="2151614" y="1694412"/>
+            <a:ext cx="328082" cy="245495"/>
           </a:xfrm>
           <a:prstGeom prst="curvedConnector3">
             <a:avLst>
-              <a:gd name="adj1" fmla="val -1111"/>
+              <a:gd name="adj1" fmla="val 2671"/>
             </a:avLst>
           </a:prstGeom>
           <a:ln>
@@ -3308,13 +3428,13 @@
         </p:spPr>
         <p:style>
           <a:lnRef idx="3">
-            <a:schemeClr val="dk1"/>
+            <a:schemeClr val="accent6"/>
           </a:lnRef>
           <a:fillRef idx="0">
-            <a:schemeClr val="dk1"/>
+            <a:schemeClr val="accent6"/>
           </a:fillRef>
           <a:effectRef idx="2">
-            <a:schemeClr val="dk1"/>
+            <a:schemeClr val="accent6"/>
           </a:effectRef>
           <a:fontRef idx="minor">
             <a:schemeClr val="tx1"/>
@@ -3323,14 +3443,14 @@
       </p:cxnSp>
       <p:sp>
         <p:nvSpPr>
-          <p:cNvPr id="14" name="Rectangle 13"/>
+          <p:cNvPr id="5" name="Rectangle 4"/>
           <p:cNvSpPr/>
           <p:nvPr/>
         </p:nvSpPr>
         <p:spPr>
           <a:xfrm>
-            <a:off x="908631" y="3429000"/>
-            <a:ext cx="2667000" cy="1828800"/>
+            <a:off x="4034366" y="914400"/>
+            <a:ext cx="2595034" cy="883489"/>
           </a:xfrm>
           <a:prstGeom prst="rect">
             <a:avLst/>
@@ -3351,14 +3471,14 @@
           </a:fontRef>
         </p:style>
         <p:txBody>
-          <a:bodyPr vert="horz" rtlCol="0" anchor="ctr"/>
-          <a:lstStyle/>
-          <a:p>
-            <a:r>
-              <a:rPr lang="en-US" b="1" dirty="0" err="1" smtClean="0"/>
-              <a:t>dpxCoreCondition</a:t>
-            </a:r>
-            <a:endParaRPr lang="en-US" b="1" dirty="0" smtClean="0"/>
+          <a:bodyPr rtlCol="0" anchor="t"/>
+          <a:lstStyle/>
+          <a:p>
+            <a:r>
+              <a:rPr lang="en-US" sz="1200" b="1" dirty="0" err="1" smtClean="0"/>
+              <a:t>dpxCoreWindow</a:t>
+            </a:r>
+            <a:endParaRPr lang="en-US" sz="1200" b="1" dirty="0" smtClean="0"/>
           </a:p>
           <a:p>
             <a:pPr marL="285750" indent="-285750">
@@ -3366,7 +3486,7 @@
               <a:buChar char="•"/>
             </a:pPr>
             <a:r>
-              <a:rPr lang="en-US" dirty="0" smtClean="0"/>
+              <a:rPr lang="en-US" sz="1200" dirty="0" smtClean="0"/>
               <a:t>Property examples:</a:t>
             </a:r>
           </a:p>
@@ -3376,22 +3496,12 @@
               <a:buChar char="•"/>
             </a:pPr>
             <a:r>
-              <a:rPr lang="en-US" dirty="0" err="1" smtClean="0"/>
-              <a:t>durSec</a:t>
-            </a:r>
-            <a:r>
-              <a:rPr lang="en-US" dirty="0" smtClean="0"/>
-              <a:t>=2;</a:t>
-            </a:r>
-          </a:p>
-          <a:p>
-            <a:pPr marL="285750" indent="-285750">
-              <a:buFont typeface="Arial" panose="020B0604020202020204" pitchFamily="34" charset="0"/>
-              <a:buChar char="•"/>
-            </a:pPr>
-            <a:r>
-              <a:rPr lang="en-US" dirty="0" smtClean="0"/>
-              <a:t>Method examples:</a:t>
+              <a:rPr lang="en-US" sz="1200" dirty="0" err="1" smtClean="0"/>
+              <a:t>winRectPx</a:t>
+            </a:r>
+            <a:r>
+              <a:rPr lang="en-US" sz="1200" dirty="0" smtClean="0"/>
+              <a:t>: [0 0 1024 768]</a:t>
             </a:r>
           </a:p>
           <a:p>
@@ -3400,40 +3510,59 @@
               <a:buChar char="•"/>
             </a:pPr>
             <a:r>
-              <a:rPr lang="en-US" dirty="0" err="1" smtClean="0"/>
-              <a:t>addStim</a:t>
-            </a:r>
-            <a:r>
-              <a:rPr lang="en-US" dirty="0" smtClean="0"/>
-              <a:t>(   )</a:t>
-            </a:r>
-          </a:p>
-          <a:p>
-            <a:pPr marL="742950" lvl="1" indent="-285750">
-              <a:buFont typeface="Arial" panose="020B0604020202020204" pitchFamily="34" charset="0"/>
-              <a:buChar char="•"/>
-            </a:pPr>
-            <a:r>
-              <a:rPr lang="en-US" dirty="0" err="1" smtClean="0"/>
-              <a:t>addResp</a:t>
-            </a:r>
-            <a:r>
-              <a:rPr lang="en-US" dirty="0" smtClean="0"/>
-              <a:t>(   )</a:t>
-            </a:r>
-          </a:p>
-        </p:txBody>
-      </p:sp>
-      <p:sp>
-        <p:nvSpPr>
-          <p:cNvPr id="5" name="Rectangle 4"/>
+              <a:rPr lang="en-US" sz="1200" dirty="0" err="1" smtClean="0"/>
+              <a:t>backRGBA</a:t>
+            </a:r>
+            <a:r>
+              <a:rPr lang="en-US" sz="1200" dirty="0" smtClean="0"/>
+              <a:t>: [1 1 1 1];</a:t>
+            </a:r>
+          </a:p>
+        </p:txBody>
+      </p:sp>
+      <p:cxnSp>
+        <p:nvCxnSpPr>
+          <p:cNvPr id="23" name="Straight Arrow Connector 22"/>
+          <p:cNvCxnSpPr/>
+          <p:nvPr/>
+        </p:nvCxnSpPr>
+        <p:spPr>
+          <a:xfrm flipH="1" flipV="1">
+            <a:off x="1991388" y="1981200"/>
+            <a:ext cx="2961612" cy="630886"/>
+          </a:xfrm>
+          <a:prstGeom prst="straightConnector1">
+            <a:avLst/>
+          </a:prstGeom>
+          <a:ln>
+            <a:tailEnd type="arrow"/>
+          </a:ln>
+        </p:spPr>
+        <p:style>
+          <a:lnRef idx="3">
+            <a:schemeClr val="accent6"/>
+          </a:lnRef>
+          <a:fillRef idx="0">
+            <a:schemeClr val="accent6"/>
+          </a:fillRef>
+          <a:effectRef idx="2">
+            <a:schemeClr val="accent6"/>
+          </a:effectRef>
+          <a:fontRef idx="minor">
+            <a:schemeClr val="tx1"/>
+          </a:fontRef>
+        </p:style>
+      </p:cxnSp>
+      <p:sp>
+        <p:nvSpPr>
+          <p:cNvPr id="28" name="Rectangle 27"/>
           <p:cNvSpPr/>
           <p:nvPr/>
         </p:nvSpPr>
         <p:spPr>
           <a:xfrm>
-            <a:off x="3953933" y="838200"/>
-            <a:ext cx="3886200" cy="2362200"/>
+            <a:off x="1399438" y="4419600"/>
+            <a:ext cx="2209800" cy="1219200"/>
           </a:xfrm>
           <a:prstGeom prst="rect">
             <a:avLst/>
@@ -3454,14 +3583,14 @@
           </a:fontRef>
         </p:style>
         <p:txBody>
-          <a:bodyPr rtlCol="0" anchor="ctr"/>
-          <a:lstStyle/>
-          <a:p>
-            <a:r>
-              <a:rPr lang="en-US" b="1" dirty="0" err="1" smtClean="0"/>
-              <a:t>dpxCoreWindow</a:t>
-            </a:r>
-            <a:endParaRPr lang="en-US" b="1" dirty="0" smtClean="0"/>
+          <a:bodyPr vert="horz" rtlCol="0" anchor="t"/>
+          <a:lstStyle/>
+          <a:p>
+            <a:r>
+              <a:rPr lang="en-US" sz="1200" b="1" dirty="0" err="1" smtClean="0"/>
+              <a:t>dpxStimGrating</a:t>
+            </a:r>
+            <a:endParaRPr lang="en-US" sz="1200" b="1" dirty="0" smtClean="0"/>
           </a:p>
           <a:p>
             <a:pPr marL="285750" indent="-285750">
@@ -3469,8 +3598,8 @@
               <a:buChar char="•"/>
             </a:pPr>
             <a:r>
-              <a:rPr lang="en-US" dirty="0" smtClean="0"/>
-              <a:t>Property examples:</a:t>
+              <a:rPr lang="en-US" sz="1200" dirty="0" smtClean="0"/>
+              <a:t>Property example:</a:t>
             </a:r>
           </a:p>
           <a:p>
@@ -3479,12 +3608,23 @@
               <a:buChar char="•"/>
             </a:pPr>
             <a:r>
-              <a:rPr lang="en-US" dirty="0" err="1" smtClean="0"/>
-              <a:t>winRectPx</a:t>
-            </a:r>
-            <a:r>
-              <a:rPr lang="en-US" dirty="0" smtClean="0"/>
-              <a:t>: [0 0 1024 768]</a:t>
+              <a:rPr lang="en-US" sz="1200" dirty="0" err="1" smtClean="0"/>
+              <a:t>contrastFrac</a:t>
+            </a:r>
+            <a:r>
+              <a:rPr lang="en-US" sz="1200" dirty="0" smtClean="0"/>
+              <a:t>: 0.9</a:t>
+            </a:r>
+            <a:endParaRPr lang="en-US" sz="1200" dirty="0"/>
+          </a:p>
+          <a:p>
+            <a:pPr marL="285750" indent="-285750">
+              <a:buFont typeface="Arial" panose="020B0604020202020204" pitchFamily="34" charset="0"/>
+              <a:buChar char="•"/>
+            </a:pPr>
+            <a:r>
+              <a:rPr lang="en-US" sz="1200" dirty="0" smtClean="0"/>
+              <a:t>Methods examples:</a:t>
             </a:r>
           </a:p>
           <a:p>
@@ -3493,22 +3633,12 @@
               <a:buChar char="•"/>
             </a:pPr>
             <a:r>
-              <a:rPr lang="en-US" dirty="0" err="1" smtClean="0"/>
-              <a:t>backRGBA</a:t>
-            </a:r>
-            <a:r>
-              <a:rPr lang="en-US" dirty="0" smtClean="0"/>
-              <a:t>: [1 1 1 1];</a:t>
-            </a:r>
-          </a:p>
-          <a:p>
-            <a:pPr marL="285750" indent="-285750">
-              <a:buFont typeface="Arial" panose="020B0604020202020204" pitchFamily="34" charset="0"/>
-              <a:buChar char="•"/>
-            </a:pPr>
-            <a:r>
-              <a:rPr lang="en-US" dirty="0" smtClean="0"/>
-              <a:t>Method examples:</a:t>
+              <a:rPr lang="en-US" sz="1200" dirty="0"/>
+              <a:t>s</a:t>
+            </a:r>
+            <a:r>
+              <a:rPr lang="en-US" sz="1200" dirty="0" smtClean="0"/>
+              <a:t>tep</a:t>
             </a:r>
           </a:p>
           <a:p>
@@ -3517,89 +3647,22 @@
               <a:buChar char="•"/>
             </a:pPr>
             <a:r>
-              <a:rPr lang="en-US" dirty="0"/>
-              <a:t>o</a:t>
-            </a:r>
-            <a:r>
-              <a:rPr lang="en-US" dirty="0" smtClean="0"/>
-              <a:t>pen()</a:t>
-            </a:r>
-          </a:p>
-          <a:p>
-            <a:pPr marL="742950" lvl="1" indent="-285750">
-              <a:buFont typeface="Arial" panose="020B0604020202020204" pitchFamily="34" charset="0"/>
-              <a:buChar char="•"/>
-            </a:pPr>
-            <a:r>
-              <a:rPr lang="en-US" dirty="0"/>
-              <a:t>c</a:t>
-            </a:r>
-            <a:r>
-              <a:rPr lang="en-US" dirty="0" smtClean="0"/>
-              <a:t>lear()</a:t>
-            </a:r>
-          </a:p>
-          <a:p>
-            <a:pPr marL="742950" lvl="1" indent="-285750">
-              <a:buFont typeface="Arial" panose="020B0604020202020204" pitchFamily="34" charset="0"/>
-              <a:buChar char="•"/>
-            </a:pPr>
-            <a:r>
-              <a:rPr lang="en-US" dirty="0"/>
-              <a:t>c</a:t>
-            </a:r>
-            <a:r>
-              <a:rPr lang="en-US" dirty="0" smtClean="0"/>
-              <a:t>lose()</a:t>
-            </a:r>
-          </a:p>
-        </p:txBody>
-      </p:sp>
-      <p:cxnSp>
-        <p:nvCxnSpPr>
-          <p:cNvPr id="23" name="Straight Arrow Connector 22"/>
-          <p:cNvCxnSpPr>
-            <a:stCxn id="14" idx="0"/>
-          </p:cNvCxnSpPr>
-          <p:nvPr/>
-        </p:nvCxnSpPr>
-        <p:spPr>
-          <a:xfrm flipV="1">
-            <a:off x="2242131" y="2743200"/>
-            <a:ext cx="272469" cy="685800"/>
-          </a:xfrm>
-          <a:prstGeom prst="straightConnector1">
-            <a:avLst/>
-          </a:prstGeom>
-          <a:ln>
-            <a:tailEnd type="arrow"/>
-          </a:ln>
-        </p:spPr>
-        <p:style>
-          <a:lnRef idx="3">
-            <a:schemeClr val="dk1"/>
-          </a:lnRef>
-          <a:fillRef idx="0">
-            <a:schemeClr val="dk1"/>
-          </a:fillRef>
-          <a:effectRef idx="2">
-            <a:schemeClr val="dk1"/>
-          </a:effectRef>
-          <a:fontRef idx="minor">
-            <a:schemeClr val="tx1"/>
-          </a:fontRef>
-        </p:style>
-      </p:cxnSp>
-      <p:sp>
-        <p:nvSpPr>
-          <p:cNvPr id="28" name="Rectangle 27"/>
+              <a:rPr lang="en-US" sz="1200" dirty="0" smtClean="0"/>
+              <a:t>draw</a:t>
+            </a:r>
+          </a:p>
+        </p:txBody>
+      </p:sp>
+      <p:sp>
+        <p:nvSpPr>
+          <p:cNvPr id="14" name="Rectangle 13"/>
           <p:cNvSpPr/>
           <p:nvPr/>
         </p:nvSpPr>
         <p:spPr>
           <a:xfrm>
-            <a:off x="3953932" y="3429000"/>
-            <a:ext cx="2370668" cy="1600200"/>
+            <a:off x="4034366" y="1981200"/>
+            <a:ext cx="2595034" cy="2289234"/>
           </a:xfrm>
           <a:prstGeom prst="rect">
             <a:avLst/>
@@ -3620,14 +3683,14 @@
           </a:fontRef>
         </p:style>
         <p:txBody>
-          <a:bodyPr vert="horz" rtlCol="0" anchor="ctr"/>
-          <a:lstStyle/>
-          <a:p>
-            <a:r>
-              <a:rPr lang="en-US" b="1" dirty="0" err="1" smtClean="0"/>
-              <a:t>dpxStimExample</a:t>
-            </a:r>
-            <a:endParaRPr lang="en-US" b="1" dirty="0" smtClean="0"/>
+          <a:bodyPr vert="horz" rtlCol="0" anchor="t"/>
+          <a:lstStyle/>
+          <a:p>
+            <a:r>
+              <a:rPr lang="en-US" sz="1200" b="1" dirty="0" err="1" smtClean="0"/>
+              <a:t>dpxCoreCondition</a:t>
+            </a:r>
+            <a:endParaRPr lang="en-US" sz="1200" b="1" dirty="0" smtClean="0"/>
           </a:p>
           <a:p>
             <a:pPr marL="285750" indent="-285750">
@@ -3635,7 +3698,7 @@
               <a:buChar char="•"/>
             </a:pPr>
             <a:r>
-              <a:rPr lang="en-US" dirty="0" smtClean="0"/>
+              <a:rPr lang="en-US" sz="1200" dirty="0" smtClean="0"/>
               <a:t>Property examples:</a:t>
             </a:r>
           </a:p>
@@ -3645,13 +3708,14 @@
               <a:buChar char="•"/>
             </a:pPr>
             <a:r>
-              <a:rPr lang="en-US" dirty="0" err="1" smtClean="0"/>
-              <a:t>xDeg</a:t>
-            </a:r>
-            <a:r>
-              <a:rPr lang="en-US" dirty="0" smtClean="0"/>
-              <a:t>: 0</a:t>
-            </a:r>
+              <a:rPr lang="en-US" sz="1200" dirty="0" err="1" smtClean="0"/>
+              <a:t>durSec</a:t>
+            </a:r>
+            <a:r>
+              <a:rPr lang="en-US" sz="1200" dirty="0" smtClean="0"/>
+              <a:t>: 2</a:t>
+            </a:r>
+            <a:endParaRPr lang="en-US" sz="1200" dirty="0"/>
           </a:p>
           <a:p>
             <a:pPr marL="742950" lvl="1" indent="-285750">
@@ -3659,12 +3723,16 @@
               <a:buChar char="•"/>
             </a:pPr>
             <a:r>
-              <a:rPr lang="en-US" dirty="0" err="1" smtClean="0"/>
-              <a:t>yDeg</a:t>
-            </a:r>
-            <a:r>
-              <a:rPr lang="en-US" dirty="0" smtClean="0"/>
-              <a:t>: 0</a:t>
+              <a:rPr lang="en-US" sz="1200" dirty="0" err="1"/>
+              <a:t>r</a:t>
+            </a:r>
+            <a:r>
+              <a:rPr lang="en-US" sz="1200" dirty="0" err="1" smtClean="0"/>
+              <a:t>esps</a:t>
+            </a:r>
+            <a:r>
+              <a:rPr lang="en-US" sz="1200" dirty="0" smtClean="0"/>
+              <a:t>: { r1, r2, … }</a:t>
             </a:r>
           </a:p>
           <a:p>
@@ -3673,16 +3741,108 @@
               <a:buChar char="•"/>
             </a:pPr>
             <a:r>
-              <a:rPr lang="en-US" dirty="0" err="1" smtClean="0"/>
-              <a:t>wDeg</a:t>
-            </a:r>
-            <a:r>
-              <a:rPr lang="en-US" dirty="0" smtClean="0"/>
-              <a:t>: 0</a:t>
-            </a:r>
-          </a:p>
-        </p:txBody>
-      </p:sp>
+              <a:rPr lang="en-US" sz="1200" dirty="0"/>
+              <a:t>s</a:t>
+            </a:r>
+            <a:r>
+              <a:rPr lang="en-US" sz="1200" dirty="0" smtClean="0"/>
+              <a:t>tims</a:t>
+            </a:r>
+            <a:r>
+              <a:rPr lang="en-US" sz="1200" dirty="0"/>
+              <a:t>: { s1, s2, … </a:t>
+            </a:r>
+            <a:r>
+              <a:rPr lang="en-US" sz="1200" dirty="0" smtClean="0"/>
+              <a:t>}</a:t>
+            </a:r>
+          </a:p>
+          <a:p>
+            <a:pPr marL="285750" indent="-285750">
+              <a:buFont typeface="Arial" panose="020B0604020202020204" pitchFamily="34" charset="0"/>
+              <a:buChar char="•"/>
+            </a:pPr>
+            <a:r>
+              <a:rPr lang="en-US" sz="1200" dirty="0" smtClean="0"/>
+              <a:t>Method examples:</a:t>
+            </a:r>
+          </a:p>
+          <a:p>
+            <a:pPr marL="742950" lvl="1" indent="-285750">
+              <a:buFont typeface="Arial" panose="020B0604020202020204" pitchFamily="34" charset="0"/>
+              <a:buChar char="•"/>
+            </a:pPr>
+            <a:r>
+              <a:rPr lang="en-US" sz="1200" dirty="0" err="1" smtClean="0"/>
+              <a:t>addStim</a:t>
+            </a:r>
+            <a:endParaRPr lang="en-US" sz="1200" dirty="0" smtClean="0"/>
+          </a:p>
+          <a:p>
+            <a:pPr marL="742950" lvl="1" indent="-285750">
+              <a:buFont typeface="Arial" panose="020B0604020202020204" pitchFamily="34" charset="0"/>
+              <a:buChar char="•"/>
+            </a:pPr>
+            <a:r>
+              <a:rPr lang="en-US" sz="1200" dirty="0" err="1" smtClean="0"/>
+              <a:t>addResp</a:t>
+            </a:r>
+            <a:endParaRPr lang="en-US" sz="1200" dirty="0" smtClean="0"/>
+          </a:p>
+          <a:p>
+            <a:pPr marL="742950" lvl="1" indent="-285750">
+              <a:buFont typeface="Arial" panose="020B0604020202020204" pitchFamily="34" charset="0"/>
+              <a:buChar char="•"/>
+            </a:pPr>
+            <a:r>
+              <a:rPr lang="en-US" sz="1200" dirty="0" smtClean="0"/>
+              <a:t>show</a:t>
+            </a:r>
+          </a:p>
+          <a:p>
+            <a:pPr marL="742950" lvl="1" indent="-285750">
+              <a:buFont typeface="Arial" panose="020B0604020202020204" pitchFamily="34" charset="0"/>
+              <a:buChar char="•"/>
+            </a:pPr>
+            <a:endParaRPr lang="en-US" sz="1200" dirty="0" smtClean="0"/>
+          </a:p>
+        </p:txBody>
+      </p:sp>
+      <p:cxnSp>
+        <p:nvCxnSpPr>
+          <p:cNvPr id="34" name="Straight Arrow Connector 33"/>
+          <p:cNvCxnSpPr>
+            <a:stCxn id="29" idx="3"/>
+          </p:cNvCxnSpPr>
+          <p:nvPr/>
+        </p:nvCxnSpPr>
+        <p:spPr>
+          <a:xfrm flipV="1">
+            <a:off x="3609238" y="3434176"/>
+            <a:ext cx="1191362" cy="2843972"/>
+          </a:xfrm>
+          <a:prstGeom prst="straightConnector1">
+            <a:avLst/>
+          </a:prstGeom>
+          <a:ln>
+            <a:tailEnd type="arrow"/>
+          </a:ln>
+        </p:spPr>
+        <p:style>
+          <a:lnRef idx="3">
+            <a:schemeClr val="accent6"/>
+          </a:lnRef>
+          <a:fillRef idx="0">
+            <a:schemeClr val="accent6"/>
+          </a:fillRef>
+          <a:effectRef idx="2">
+            <a:schemeClr val="accent6"/>
+          </a:effectRef>
+          <a:fontRef idx="minor">
+            <a:schemeClr val="tx1"/>
+          </a:fontRef>
+        </p:style>
+      </p:cxnSp>
       <p:sp>
         <p:nvSpPr>
           <p:cNvPr id="29" name="Rectangle 28"/>
@@ -3691,8 +3851,8 @@
         </p:nvSpPr>
         <p:spPr>
           <a:xfrm>
-            <a:off x="3953932" y="5240867"/>
-            <a:ext cx="4047068" cy="1007533"/>
+            <a:off x="597821" y="5774381"/>
+            <a:ext cx="3011417" cy="1007533"/>
           </a:xfrm>
           <a:prstGeom prst="rect">
             <a:avLst/>
@@ -3713,14 +3873,14 @@
           </a:fontRef>
         </p:style>
         <p:txBody>
-          <a:bodyPr vert="horz" rtlCol="0" anchor="ctr"/>
-          <a:lstStyle/>
-          <a:p>
-            <a:r>
-              <a:rPr lang="en-US" b="1" dirty="0" err="1" smtClean="0"/>
-              <a:t>dpxRespExample</a:t>
-            </a:r>
-            <a:endParaRPr lang="en-US" b="1" dirty="0" smtClean="0"/>
+          <a:bodyPr vert="horz" rtlCol="0" anchor="t"/>
+          <a:lstStyle/>
+          <a:p>
+            <a:r>
+              <a:rPr lang="en-US" sz="1200" b="1" dirty="0" err="1" smtClean="0"/>
+              <a:t>dpxRespKeyboard</a:t>
+            </a:r>
+            <a:endParaRPr lang="en-US" sz="1200" b="1" dirty="0" smtClean="0"/>
           </a:p>
           <a:p>
             <a:pPr marL="285750" indent="-285750">
@@ -3728,7 +3888,7 @@
               <a:buChar char="•"/>
             </a:pPr>
             <a:r>
-              <a:rPr lang="en-US" dirty="0" smtClean="0"/>
+              <a:rPr lang="en-US" sz="1200" dirty="0" smtClean="0"/>
               <a:t>Property example:</a:t>
             </a:r>
           </a:p>
@@ -3738,22 +3898,42 @@
               <a:buChar char="•"/>
             </a:pPr>
             <a:r>
-              <a:rPr lang="en-US" dirty="0" err="1" smtClean="0"/>
+              <a:rPr lang="en-US" sz="1200" dirty="0" err="1" smtClean="0"/>
               <a:t>kbName</a:t>
             </a:r>
             <a:r>
-              <a:rPr lang="en-US" dirty="0" smtClean="0"/>
+              <a:rPr lang="en-US" sz="1200" dirty="0" smtClean="0"/>
               <a:t>: '</a:t>
             </a:r>
             <a:r>
-              <a:rPr lang="en-US" dirty="0" err="1" smtClean="0"/>
+              <a:rPr lang="en-US" sz="1200" dirty="0" err="1" smtClean="0"/>
               <a:t>LeftArrow,RightArrow</a:t>
             </a:r>
             <a:r>
-              <a:rPr lang="en-US" dirty="0" smtClean="0"/>
-              <a:t>'</a:t>
-            </a:r>
-            <a:endParaRPr lang="en-US" dirty="0" smtClean="0"/>
+              <a:rPr lang="en-US" sz="1200" dirty="0" smtClean="0"/>
+              <a:t>‘</a:t>
+            </a:r>
+          </a:p>
+          <a:p>
+            <a:pPr marL="285750" indent="-285750">
+              <a:buFont typeface="Arial" panose="020B0604020202020204" pitchFamily="34" charset="0"/>
+              <a:buChar char="•"/>
+            </a:pPr>
+            <a:r>
+              <a:rPr lang="en-US" sz="1200" dirty="0" smtClean="0"/>
+              <a:t>Methods example:</a:t>
+            </a:r>
+          </a:p>
+          <a:p>
+            <a:pPr marL="742950" lvl="1" indent="-285750">
+              <a:buFont typeface="Arial" panose="020B0604020202020204" pitchFamily="34" charset="0"/>
+              <a:buChar char="•"/>
+            </a:pPr>
+            <a:r>
+              <a:rPr lang="en-US" sz="1200" dirty="0" err="1" smtClean="0"/>
+              <a:t>getResponse</a:t>
+            </a:r>
+            <a:endParaRPr lang="en-US" sz="1200" dirty="0" smtClean="0"/>
           </a:p>
         </p:txBody>
       </p:sp>
@@ -3761,14 +3941,14 @@
         <p:nvCxnSpPr>
           <p:cNvPr id="30" name="Straight Arrow Connector 29"/>
           <p:cNvCxnSpPr>
-            <a:stCxn id="28" idx="1"/>
+            <a:stCxn id="28" idx="3"/>
           </p:cNvCxnSpPr>
           <p:nvPr/>
         </p:nvCxnSpPr>
         <p:spPr>
-          <a:xfrm flipH="1">
-            <a:off x="2667000" y="4229100"/>
-            <a:ext cx="1286932" cy="571500"/>
+          <a:xfrm flipV="1">
+            <a:off x="3609238" y="3240508"/>
+            <a:ext cx="1115162" cy="1788692"/>
           </a:xfrm>
           <a:prstGeom prst="straightConnector1">
             <a:avLst/>
@@ -3779,13 +3959,242 @@
         </p:spPr>
         <p:style>
           <a:lnRef idx="3">
-            <a:schemeClr val="dk1"/>
+            <a:schemeClr val="accent6"/>
           </a:lnRef>
           <a:fillRef idx="0">
-            <a:schemeClr val="dk1"/>
+            <a:schemeClr val="accent6"/>
           </a:fillRef>
           <a:effectRef idx="2">
-            <a:schemeClr val="dk1"/>
+            <a:schemeClr val="accent6"/>
+          </a:effectRef>
+          <a:fontRef idx="minor">
+            <a:schemeClr val="tx1"/>
+          </a:fontRef>
+        </p:style>
+      </p:cxnSp>
+      <p:sp>
+        <p:nvSpPr>
+          <p:cNvPr id="41" name="Circular Arrow 40"/>
+          <p:cNvSpPr/>
+          <p:nvPr/>
+        </p:nvSpPr>
+        <p:spPr>
+          <a:xfrm rot="10800000">
+            <a:off x="5107038" y="3505200"/>
+            <a:ext cx="647700" cy="647700"/>
+          </a:xfrm>
+          <a:prstGeom prst="circularArrow">
+            <a:avLst>
+              <a:gd name="adj1" fmla="val 12500"/>
+              <a:gd name="adj2" fmla="val 1142319"/>
+              <a:gd name="adj3" fmla="val 20457681"/>
+              <a:gd name="adj4" fmla="val 890001"/>
+              <a:gd name="adj5" fmla="val 12500"/>
+            </a:avLst>
+          </a:prstGeom>
+          <a:ln/>
+        </p:spPr>
+        <p:style>
+          <a:lnRef idx="1">
+            <a:schemeClr val="accent6"/>
+          </a:lnRef>
+          <a:fillRef idx="3">
+            <a:schemeClr val="accent6"/>
+          </a:fillRef>
+          <a:effectRef idx="2">
+            <a:schemeClr val="accent6"/>
+          </a:effectRef>
+          <a:fontRef idx="minor">
+            <a:schemeClr val="lt1"/>
+          </a:fontRef>
+        </p:style>
+        <p:txBody>
+          <a:bodyPr rtlCol="0" anchor="ctr"/>
+          <a:lstStyle/>
+          <a:p>
+            <a:pPr algn="ctr"/>
+            <a:endParaRPr lang="en-US">
+              <a:solidFill>
+                <a:schemeClr val="tx1"/>
+              </a:solidFill>
+            </a:endParaRPr>
+          </a:p>
+        </p:txBody>
+      </p:sp>
+      <p:sp>
+        <p:nvSpPr>
+          <p:cNvPr id="42" name="TextBox 41"/>
+          <p:cNvSpPr txBox="1"/>
+          <p:nvPr/>
+        </p:nvSpPr>
+        <p:spPr>
+          <a:xfrm>
+            <a:off x="5211150" y="3598219"/>
+            <a:ext cx="1192571" cy="461665"/>
+          </a:xfrm>
+          <a:prstGeom prst="rect">
+            <a:avLst/>
+          </a:prstGeom>
+          <a:noFill/>
+          <a:ln>
+            <a:noFill/>
+          </a:ln>
+        </p:spPr>
+        <p:txBody>
+          <a:bodyPr wrap="none" rtlCol="0">
+            <a:spAutoFit/>
+          </a:bodyPr>
+          <a:lstStyle/>
+          <a:p>
+            <a:r>
+              <a:rPr lang="en-US" sz="1200" b="1" i="1" dirty="0" smtClean="0">
+                <a:solidFill>
+                  <a:schemeClr val="bg1"/>
+                </a:solidFill>
+              </a:rPr>
+              <a:t>Loop over stims</a:t>
+            </a:r>
+          </a:p>
+          <a:p>
+            <a:r>
+              <a:rPr lang="en-US" sz="1200" b="1" i="1" dirty="0" smtClean="0">
+                <a:solidFill>
+                  <a:schemeClr val="bg1"/>
+                </a:solidFill>
+              </a:rPr>
+              <a:t> and </a:t>
+            </a:r>
+            <a:r>
+              <a:rPr lang="en-US" sz="1200" b="1" i="1" dirty="0" err="1" smtClean="0">
+                <a:solidFill>
+                  <a:schemeClr val="bg1"/>
+                </a:solidFill>
+              </a:rPr>
+              <a:t>resps</a:t>
+            </a:r>
+            <a:endParaRPr lang="en-US" sz="1200" b="1" i="1" dirty="0">
+              <a:solidFill>
+                <a:schemeClr val="bg1"/>
+              </a:solidFill>
+            </a:endParaRPr>
+          </a:p>
+        </p:txBody>
+      </p:sp>
+      <p:sp>
+        <p:nvSpPr>
+          <p:cNvPr id="45" name="Rectangle 44"/>
+          <p:cNvSpPr/>
+          <p:nvPr/>
+        </p:nvSpPr>
+        <p:spPr>
+          <a:xfrm>
+            <a:off x="1399438" y="3200400"/>
+            <a:ext cx="2209800" cy="1070034"/>
+          </a:xfrm>
+          <a:prstGeom prst="rect">
+            <a:avLst/>
+          </a:prstGeom>
+        </p:spPr>
+        <p:style>
+          <a:lnRef idx="0">
+            <a:schemeClr val="accent1"/>
+          </a:lnRef>
+          <a:fillRef idx="3">
+            <a:schemeClr val="accent1"/>
+          </a:fillRef>
+          <a:effectRef idx="3">
+            <a:schemeClr val="accent1"/>
+          </a:effectRef>
+          <a:fontRef idx="minor">
+            <a:schemeClr val="lt1"/>
+          </a:fontRef>
+        </p:style>
+        <p:txBody>
+          <a:bodyPr vert="horz" rtlCol="0" anchor="t"/>
+          <a:lstStyle/>
+          <a:p>
+            <a:r>
+              <a:rPr lang="en-US" sz="1200" b="1" dirty="0" err="1" smtClean="0"/>
+              <a:t>dpxStimDot</a:t>
+            </a:r>
+            <a:endParaRPr lang="en-US" sz="1200" b="1" dirty="0" smtClean="0"/>
+          </a:p>
+          <a:p>
+            <a:pPr marL="285750" indent="-285750">
+              <a:buFont typeface="Arial" panose="020B0604020202020204" pitchFamily="34" charset="0"/>
+              <a:buChar char="•"/>
+            </a:pPr>
+            <a:r>
+              <a:rPr lang="en-US" sz="1200" dirty="0" smtClean="0"/>
+              <a:t>Property example:</a:t>
+            </a:r>
+          </a:p>
+          <a:p>
+            <a:pPr marL="742950" lvl="1" indent="-285750">
+              <a:buFont typeface="Arial" panose="020B0604020202020204" pitchFamily="34" charset="0"/>
+              <a:buChar char="•"/>
+            </a:pPr>
+            <a:r>
+              <a:rPr lang="en-US" sz="1200" dirty="0" err="1" smtClean="0"/>
+              <a:t>RGBAfrac</a:t>
+            </a:r>
+            <a:r>
+              <a:rPr lang="en-US" sz="1200" dirty="0" smtClean="0"/>
+              <a:t>: [1 0 0 1]</a:t>
+            </a:r>
+            <a:endParaRPr lang="en-US" sz="1200" dirty="0"/>
+          </a:p>
+          <a:p>
+            <a:pPr marL="285750" indent="-285750">
+              <a:buFont typeface="Arial" panose="020B0604020202020204" pitchFamily="34" charset="0"/>
+              <a:buChar char="•"/>
+            </a:pPr>
+            <a:r>
+              <a:rPr lang="en-US" sz="1200" dirty="0" smtClean="0"/>
+              <a:t>Methods example</a:t>
+            </a:r>
+          </a:p>
+          <a:p>
+            <a:pPr marL="742950" lvl="1" indent="-285750">
+              <a:buFont typeface="Arial" panose="020B0604020202020204" pitchFamily="34" charset="0"/>
+              <a:buChar char="•"/>
+            </a:pPr>
+            <a:r>
+              <a:rPr lang="en-US" sz="1200" dirty="0" smtClean="0"/>
+              <a:t>draw</a:t>
+            </a:r>
+          </a:p>
+        </p:txBody>
+      </p:sp>
+      <p:cxnSp>
+        <p:nvCxnSpPr>
+          <p:cNvPr id="49" name="Straight Arrow Connector 48"/>
+          <p:cNvCxnSpPr>
+            <a:stCxn id="45" idx="3"/>
+          </p:cNvCxnSpPr>
+          <p:nvPr/>
+        </p:nvCxnSpPr>
+        <p:spPr>
+          <a:xfrm flipV="1">
+            <a:off x="3609238" y="3200400"/>
+            <a:ext cx="962762" cy="535017"/>
+          </a:xfrm>
+          <a:prstGeom prst="straightConnector1">
+            <a:avLst/>
+          </a:prstGeom>
+          <a:ln>
+            <a:tailEnd type="arrow"/>
+          </a:ln>
+        </p:spPr>
+        <p:style>
+          <a:lnRef idx="3">
+            <a:schemeClr val="accent6"/>
+          </a:lnRef>
+          <a:fillRef idx="0">
+            <a:schemeClr val="accent6"/>
+          </a:fillRef>
+          <a:effectRef idx="2">
+            <a:schemeClr val="accent6"/>
           </a:effectRef>
           <a:fontRef idx="minor">
             <a:schemeClr val="tx1"/>
@@ -3794,16 +4203,84 @@
       </p:cxnSp>
       <p:cxnSp>
         <p:nvCxnSpPr>
-          <p:cNvPr id="34" name="Straight Arrow Connector 33"/>
-          <p:cNvCxnSpPr>
-            <a:stCxn id="29" idx="1"/>
-          </p:cNvCxnSpPr>
+          <p:cNvPr id="21" name="Curved Connector 20"/>
+          <p:cNvCxnSpPr/>
           <p:nvPr/>
         </p:nvCxnSpPr>
         <p:spPr>
-          <a:xfrm flipH="1" flipV="1">
-            <a:off x="2700867" y="5029200"/>
-            <a:ext cx="1253065" cy="715434"/>
+          <a:xfrm rot="5400000" flipH="1" flipV="1">
+            <a:off x="5401309" y="2887079"/>
+            <a:ext cx="383006" cy="323851"/>
+          </a:xfrm>
+          <a:prstGeom prst="curvedConnector3">
+            <a:avLst>
+              <a:gd name="adj1" fmla="val 2702"/>
+            </a:avLst>
+          </a:prstGeom>
+          <a:ln>
+            <a:tailEnd type="arrow"/>
+          </a:ln>
+        </p:spPr>
+        <p:style>
+          <a:lnRef idx="3">
+            <a:schemeClr val="accent6"/>
+          </a:lnRef>
+          <a:fillRef idx="0">
+            <a:schemeClr val="accent6"/>
+          </a:fillRef>
+          <a:effectRef idx="2">
+            <a:schemeClr val="accent6"/>
+          </a:effectRef>
+          <a:fontRef idx="minor">
+            <a:schemeClr val="tx1"/>
+          </a:fontRef>
+        </p:style>
+      </p:cxnSp>
+      <p:cxnSp>
+        <p:nvCxnSpPr>
+          <p:cNvPr id="22" name="Curved Connector 21"/>
+          <p:cNvCxnSpPr/>
+          <p:nvPr/>
+        </p:nvCxnSpPr>
+        <p:spPr>
+          <a:xfrm rot="5400000" flipH="1" flipV="1">
+            <a:off x="5284606" y="2851382"/>
+            <a:ext cx="729074" cy="436513"/>
+          </a:xfrm>
+          <a:prstGeom prst="curvedConnector3">
+            <a:avLst>
+              <a:gd name="adj1" fmla="val 3855"/>
+            </a:avLst>
+          </a:prstGeom>
+          <a:ln>
+            <a:tailEnd type="arrow"/>
+          </a:ln>
+        </p:spPr>
+        <p:style>
+          <a:lnRef idx="3">
+            <a:schemeClr val="accent6"/>
+          </a:lnRef>
+          <a:fillRef idx="0">
+            <a:schemeClr val="accent6"/>
+          </a:fillRef>
+          <a:effectRef idx="2">
+            <a:schemeClr val="accent6"/>
+          </a:effectRef>
+          <a:fontRef idx="minor">
+            <a:schemeClr val="tx1"/>
+          </a:fontRef>
+        </p:style>
+      </p:cxnSp>
+      <p:cxnSp>
+        <p:nvCxnSpPr>
+          <p:cNvPr id="48" name="Straight Arrow Connector 47"/>
+          <p:cNvCxnSpPr/>
+          <p:nvPr/>
+        </p:nvCxnSpPr>
+        <p:spPr>
+          <a:xfrm flipH="1">
+            <a:off x="2315655" y="6400800"/>
+            <a:ext cx="2027745" cy="228601"/>
           </a:xfrm>
           <a:prstGeom prst="straightConnector1">
             <a:avLst/>
@@ -3814,19 +4291,380 @@
         </p:spPr>
         <p:style>
           <a:lnRef idx="3">
-            <a:schemeClr val="dk1"/>
+            <a:schemeClr val="accent6"/>
           </a:lnRef>
           <a:fillRef idx="0">
-            <a:schemeClr val="dk1"/>
+            <a:schemeClr val="accent6"/>
           </a:fillRef>
           <a:effectRef idx="2">
-            <a:schemeClr val="dk1"/>
+            <a:schemeClr val="accent6"/>
           </a:effectRef>
           <a:fontRef idx="minor">
             <a:schemeClr val="tx1"/>
           </a:fontRef>
         </p:style>
       </p:cxnSp>
+      <p:pic>
+        <p:nvPicPr>
+          <p:cNvPr id="1028" name="Picture 4" descr="C:\Users\jacob\Desktop\images.jpg"/>
+          <p:cNvPicPr>
+            <a:picLocks noChangeAspect="1" noChangeArrowheads="1"/>
+          </p:cNvPicPr>
+          <p:nvPr/>
+        </p:nvPicPr>
+        <p:blipFill>
+          <a:blip r:embed="rId2">
+            <a:extLst>
+              <a:ext uri="{28A0092B-C50C-407E-A947-70E740481C1C}">
+                <a14:useLocalDpi xmlns:a14="http://schemas.microsoft.com/office/drawing/2010/main" val="0"/>
+              </a:ext>
+            </a:extLst>
+          </a:blip>
+          <a:srcRect/>
+          <a:stretch>
+            <a:fillRect/>
+          </a:stretch>
+        </p:blipFill>
+        <p:spPr bwMode="auto">
+          <a:xfrm>
+            <a:off x="142136" y="3243011"/>
+            <a:ext cx="1257301" cy="1257300"/>
+          </a:xfrm>
+          <a:prstGeom prst="rect">
+            <a:avLst/>
+          </a:prstGeom>
+          <a:noFill/>
+          <a:extLst>
+            <a:ext uri="{909E8E84-426E-40DD-AFC4-6F175D3DCCD1}">
+              <a14:hiddenFill xmlns:a14="http://schemas.microsoft.com/office/drawing/2010/main">
+                <a:solidFill>
+                  <a:srgbClr val="FFFFFF"/>
+                </a:solidFill>
+              </a14:hiddenFill>
+            </a:ext>
+          </a:extLst>
+        </p:spPr>
+      </p:pic>
+      <p:sp>
+        <p:nvSpPr>
+          <p:cNvPr id="55" name="TextBox 54"/>
+          <p:cNvSpPr txBox="1"/>
+          <p:nvPr/>
+        </p:nvSpPr>
+        <p:spPr>
+          <a:xfrm>
+            <a:off x="381000" y="3974068"/>
+            <a:ext cx="721416" cy="369332"/>
+          </a:xfrm>
+          <a:prstGeom prst="rect">
+            <a:avLst/>
+          </a:prstGeom>
+        </p:spPr>
+        <p:style>
+          <a:lnRef idx="1">
+            <a:schemeClr val="accent1"/>
+          </a:lnRef>
+          <a:fillRef idx="3">
+            <a:schemeClr val="accent1"/>
+          </a:fillRef>
+          <a:effectRef idx="2">
+            <a:schemeClr val="accent1"/>
+          </a:effectRef>
+          <a:fontRef idx="minor">
+            <a:schemeClr val="lt1"/>
+          </a:fontRef>
+        </p:style>
+        <p:txBody>
+          <a:bodyPr wrap="none" rtlCol="0">
+            <a:spAutoFit/>
+          </a:bodyPr>
+          <a:lstStyle/>
+          <a:p>
+            <a:pPr algn="ctr"/>
+            <a:r>
+              <a:rPr lang="en-US" b="1" dirty="0" smtClean="0">
+                <a:solidFill>
+                  <a:schemeClr val="bg1"/>
+                </a:solidFill>
+              </a:rPr>
+              <a:t>DPXD</a:t>
+            </a:r>
+            <a:endParaRPr lang="en-US" b="1" dirty="0">
+              <a:solidFill>
+                <a:schemeClr val="bg1"/>
+              </a:solidFill>
+            </a:endParaRPr>
+          </a:p>
+        </p:txBody>
+      </p:sp>
+      <p:cxnSp>
+        <p:nvCxnSpPr>
+          <p:cNvPr id="59" name="Straight Arrow Connector 58"/>
+          <p:cNvCxnSpPr/>
+          <p:nvPr/>
+        </p:nvCxnSpPr>
+        <p:spPr>
+          <a:xfrm flipH="1">
+            <a:off x="770786" y="2857501"/>
+            <a:ext cx="677015" cy="594786"/>
+          </a:xfrm>
+          <a:prstGeom prst="straightConnector1">
+            <a:avLst/>
+          </a:prstGeom>
+          <a:ln>
+            <a:tailEnd type="arrow"/>
+          </a:ln>
+        </p:spPr>
+        <p:style>
+          <a:lnRef idx="3">
+            <a:schemeClr val="accent6"/>
+          </a:lnRef>
+          <a:fillRef idx="0">
+            <a:schemeClr val="accent6"/>
+          </a:fillRef>
+          <a:effectRef idx="2">
+            <a:schemeClr val="accent6"/>
+          </a:effectRef>
+          <a:fontRef idx="minor">
+            <a:schemeClr val="tx1"/>
+          </a:fontRef>
+        </p:style>
+      </p:cxnSp>
+      <p:pic>
+        <p:nvPicPr>
+          <p:cNvPr id="1026" name="Picture 2" descr="C:\Users\jacob\Desktop\computer-monitor-icon.jpg"/>
+          <p:cNvPicPr>
+            <a:picLocks noChangeAspect="1" noChangeArrowheads="1"/>
+          </p:cNvPicPr>
+          <p:nvPr/>
+        </p:nvPicPr>
+        <p:blipFill>
+          <a:blip r:embed="rId3">
+            <a:extLst>
+              <a:ext uri="{28A0092B-C50C-407E-A947-70E740481C1C}">
+                <a14:useLocalDpi xmlns:a14="http://schemas.microsoft.com/office/drawing/2010/main" val="0"/>
+              </a:ext>
+            </a:extLst>
+          </a:blip>
+          <a:srcRect/>
+          <a:stretch>
+            <a:fillRect/>
+          </a:stretch>
+        </p:blipFill>
+        <p:spPr bwMode="auto">
+          <a:xfrm>
+            <a:off x="4495800" y="4390053"/>
+            <a:ext cx="2235402" cy="1918720"/>
+          </a:xfrm>
+          <a:prstGeom prst="rect">
+            <a:avLst/>
+          </a:prstGeom>
+          <a:noFill/>
+          <a:extLst>
+            <a:ext uri="{909E8E84-426E-40DD-AFC4-6F175D3DCCD1}">
+              <a14:hiddenFill xmlns:a14="http://schemas.microsoft.com/office/drawing/2010/main">
+                <a:solidFill>
+                  <a:srgbClr val="FFFFFF"/>
+                </a:solidFill>
+              </a14:hiddenFill>
+            </a:ext>
+          </a:extLst>
+        </p:spPr>
+      </p:pic>
+      <p:pic>
+        <p:nvPicPr>
+          <p:cNvPr id="1029" name="Picture 5" descr="C:\Users\jacob\Desktop\gradient.jpg"/>
+          <p:cNvPicPr>
+            <a:picLocks noChangeAspect="1" noChangeArrowheads="1"/>
+          </p:cNvPicPr>
+          <p:nvPr/>
+        </p:nvPicPr>
+        <p:blipFill>
+          <a:blip r:embed="rId4">
+            <a:extLst>
+              <a:ext uri="{28A0092B-C50C-407E-A947-70E740481C1C}">
+                <a14:useLocalDpi xmlns:a14="http://schemas.microsoft.com/office/drawing/2010/main" val="0"/>
+              </a:ext>
+            </a:extLst>
+          </a:blip>
+          <a:srcRect/>
+          <a:stretch>
+            <a:fillRect/>
+          </a:stretch>
+        </p:blipFill>
+        <p:spPr bwMode="auto">
+          <a:xfrm>
+            <a:off x="5026481" y="4683168"/>
+            <a:ext cx="1174041" cy="879432"/>
+          </a:xfrm>
+          <a:prstGeom prst="rect">
+            <a:avLst/>
+          </a:prstGeom>
+          <a:noFill/>
+          <a:extLst>
+            <a:ext uri="{909E8E84-426E-40DD-AFC4-6F175D3DCCD1}">
+              <a14:hiddenFill xmlns:a14="http://schemas.microsoft.com/office/drawing/2010/main">
+                <a:solidFill>
+                  <a:srgbClr val="FFFFFF"/>
+                </a:solidFill>
+              </a14:hiddenFill>
+            </a:ext>
+          </a:extLst>
+        </p:spPr>
+      </p:pic>
+      <p:sp>
+        <p:nvSpPr>
+          <p:cNvPr id="80" name="Oval 79"/>
+          <p:cNvSpPr/>
+          <p:nvPr/>
+        </p:nvSpPr>
+        <p:spPr>
+          <a:xfrm>
+            <a:off x="5575401" y="5084784"/>
+            <a:ext cx="76200" cy="76200"/>
+          </a:xfrm>
+          <a:prstGeom prst="ellipse">
+            <a:avLst/>
+          </a:prstGeom>
+          <a:solidFill>
+            <a:srgbClr val="FF0000"/>
+          </a:solidFill>
+          <a:ln>
+            <a:noFill/>
+          </a:ln>
+        </p:spPr>
+        <p:style>
+          <a:lnRef idx="2">
+            <a:schemeClr val="accent1">
+              <a:shade val="50000"/>
+            </a:schemeClr>
+          </a:lnRef>
+          <a:fillRef idx="1">
+            <a:schemeClr val="accent1"/>
+          </a:fillRef>
+          <a:effectRef idx="0">
+            <a:schemeClr val="accent1"/>
+          </a:effectRef>
+          <a:fontRef idx="minor">
+            <a:schemeClr val="lt1"/>
+          </a:fontRef>
+        </p:style>
+        <p:txBody>
+          <a:bodyPr rtlCol="0" anchor="ctr"/>
+          <a:lstStyle/>
+          <a:p>
+            <a:pPr algn="ctr"/>
+            <a:endParaRPr lang="en-US"/>
+          </a:p>
+        </p:txBody>
+      </p:sp>
+      <p:cxnSp>
+        <p:nvCxnSpPr>
+          <p:cNvPr id="64" name="Straight Arrow Connector 63"/>
+          <p:cNvCxnSpPr/>
+          <p:nvPr/>
+        </p:nvCxnSpPr>
+        <p:spPr>
+          <a:xfrm flipV="1">
+            <a:off x="2590800" y="5257800"/>
+            <a:ext cx="2463431" cy="201660"/>
+          </a:xfrm>
+          <a:prstGeom prst="straightConnector1">
+            <a:avLst/>
+          </a:prstGeom>
+          <a:ln>
+            <a:tailEnd type="arrow"/>
+          </a:ln>
+        </p:spPr>
+        <p:style>
+          <a:lnRef idx="3">
+            <a:schemeClr val="accent6"/>
+          </a:lnRef>
+          <a:fillRef idx="0">
+            <a:schemeClr val="accent6"/>
+          </a:fillRef>
+          <a:effectRef idx="2">
+            <a:schemeClr val="accent6"/>
+          </a:effectRef>
+          <a:fontRef idx="minor">
+            <a:schemeClr val="tx1"/>
+          </a:fontRef>
+        </p:style>
+      </p:cxnSp>
+      <p:cxnSp>
+        <p:nvCxnSpPr>
+          <p:cNvPr id="67" name="Straight Arrow Connector 66"/>
+          <p:cNvCxnSpPr/>
+          <p:nvPr/>
+        </p:nvCxnSpPr>
+        <p:spPr>
+          <a:xfrm>
+            <a:off x="2590800" y="4059884"/>
+            <a:ext cx="2895600" cy="969316"/>
+          </a:xfrm>
+          <a:prstGeom prst="straightConnector1">
+            <a:avLst/>
+          </a:prstGeom>
+          <a:ln>
+            <a:tailEnd type="arrow"/>
+          </a:ln>
+        </p:spPr>
+        <p:style>
+          <a:lnRef idx="3">
+            <a:schemeClr val="accent6"/>
+          </a:lnRef>
+          <a:fillRef idx="0">
+            <a:schemeClr val="accent6"/>
+          </a:fillRef>
+          <a:effectRef idx="2">
+            <a:schemeClr val="accent6"/>
+          </a:effectRef>
+          <a:fontRef idx="minor">
+            <a:schemeClr val="tx1"/>
+          </a:fontRef>
+        </p:style>
+      </p:cxnSp>
+      <p:pic>
+        <p:nvPicPr>
+          <p:cNvPr id="1027" name="Picture 3" descr="C:\Users\jacob\Desktop\007337-blue-jelly-icon-arrows-arrow-keyboard.png"/>
+          <p:cNvPicPr>
+            <a:picLocks noChangeAspect="1" noChangeArrowheads="1"/>
+          </p:cNvPicPr>
+          <p:nvPr/>
+        </p:nvPicPr>
+        <p:blipFill>
+          <a:blip r:embed="rId5" cstate="print">
+            <a:extLst>
+              <a:ext uri="{28A0092B-C50C-407E-A947-70E740481C1C}">
+                <a14:useLocalDpi xmlns:a14="http://schemas.microsoft.com/office/drawing/2010/main" val="0"/>
+              </a:ext>
+            </a:extLst>
+          </a:blip>
+          <a:srcRect/>
+          <a:stretch>
+            <a:fillRect/>
+          </a:stretch>
+        </p:blipFill>
+        <p:spPr bwMode="auto">
+          <a:xfrm flipH="1">
+            <a:off x="4204919" y="5616575"/>
+            <a:ext cx="1698625" cy="1698625"/>
+          </a:xfrm>
+          <a:prstGeom prst="rect">
+            <a:avLst/>
+          </a:prstGeom>
+          <a:noFill/>
+          <a:extLst>
+            <a:ext uri="{909E8E84-426E-40DD-AFC4-6F175D3DCCD1}">
+              <a14:hiddenFill xmlns:a14="http://schemas.microsoft.com/office/drawing/2010/main">
+                <a:solidFill>
+                  <a:srgbClr val="FFFFFF"/>
+                </a:solidFill>
+              </a14:hiddenFill>
+            </a:ext>
+          </a:extLst>
+        </p:spPr>
+      </p:pic>
     </p:spTree>
     <p:extLst>
       <p:ext uri="{BB962C8B-B14F-4D97-AF65-F5344CB8AC3E}">
@@ -3837,6 +4675,13 @@
   <p:clrMapOvr>
     <a:masterClrMapping/>
   </p:clrMapOvr>
+  <p:timing>
+    <p:tnLst>
+      <p:par>
+        <p:cTn id="1" dur="indefinite" restart="never" nodeType="tmRoot"/>
+      </p:par>
+    </p:tnLst>
+  </p:timing>
 </p:sld>
 </file>
 
